--- a/parousiasi.pptx
+++ b/parousiasi.pptx
@@ -4899,7 +4899,7 @@
         <p:spPr>
           <a:xfrm>
             <a:off x="640440" y="2096640"/>
-            <a:ext cx="7770960" cy="1468440"/>
+            <a:ext cx="7770600" cy="1468080"/>
           </a:xfrm>
           <a:prstGeom prst="rect">
             <a:avLst/>
@@ -4951,7 +4951,7 @@
         <p:spPr>
           <a:xfrm>
             <a:off x="1371600" y="3886200"/>
-            <a:ext cx="6399360" cy="1751040"/>
+            <a:ext cx="6399000" cy="1750680"/>
           </a:xfrm>
           <a:prstGeom prst="rect">
             <a:avLst/>
@@ -5104,7 +5104,7 @@
         <p:spPr>
           <a:xfrm>
             <a:off x="457200" y="274680"/>
-            <a:ext cx="8228160" cy="1141560"/>
+            <a:ext cx="8227800" cy="1141200"/>
           </a:xfrm>
           <a:prstGeom prst="rect">
             <a:avLst/>
@@ -5155,7 +5155,7 @@
         <p:spPr>
           <a:xfrm>
             <a:off x="457200" y="1600200"/>
-            <a:ext cx="8228160" cy="4524480"/>
+            <a:ext cx="8227800" cy="4524120"/>
           </a:xfrm>
           <a:prstGeom prst="rect">
             <a:avLst/>
@@ -5176,7 +5176,7 @@
             <a:noAutofit/>
           </a:bodyPr>
           <a:p>
-            <a:pPr marL="343080" indent="-341640">
+            <a:pPr marL="343080" indent="-341280">
               <a:lnSpc>
                 <a:spcPct val="100000"/>
               </a:lnSpc>
@@ -5204,7 +5204,7 @@
             </a:endParaRPr>
           </a:p>
           <a:p>
-            <a:pPr marL="343080" indent="-341640">
+            <a:pPr marL="343080" indent="-341280">
               <a:lnSpc>
                 <a:spcPct val="100000"/>
               </a:lnSpc>
@@ -5232,7 +5232,7 @@
             </a:endParaRPr>
           </a:p>
           <a:p>
-            <a:pPr marL="343080" indent="-341640">
+            <a:pPr marL="343080" indent="-341280">
               <a:lnSpc>
                 <a:spcPct val="100000"/>
               </a:lnSpc>
@@ -5300,7 +5300,7 @@
         <p:spPr>
           <a:xfrm>
             <a:off x="457200" y="274680"/>
-            <a:ext cx="8228160" cy="1141560"/>
+            <a:ext cx="8227800" cy="1141200"/>
           </a:xfrm>
           <a:prstGeom prst="rect">
             <a:avLst/>
@@ -5351,7 +5351,7 @@
         <p:spPr>
           <a:xfrm>
             <a:off x="457200" y="1600200"/>
-            <a:ext cx="8228160" cy="4524480"/>
+            <a:ext cx="8227800" cy="4524120"/>
           </a:xfrm>
           <a:prstGeom prst="rect">
             <a:avLst/>
@@ -5372,7 +5372,7 @@
             <a:noAutofit/>
           </a:bodyPr>
           <a:p>
-            <a:pPr marL="343080" indent="-341640">
+            <a:pPr marL="343080" indent="-341280">
               <a:lnSpc>
                 <a:spcPct val="100000"/>
               </a:lnSpc>
@@ -5400,7 +5400,7 @@
             </a:endParaRPr>
           </a:p>
           <a:p>
-            <a:pPr marL="343080" indent="-341640">
+            <a:pPr marL="343080" indent="-341280">
               <a:lnSpc>
                 <a:spcPct val="100000"/>
               </a:lnSpc>
@@ -5428,7 +5428,7 @@
             </a:endParaRPr>
           </a:p>
           <a:p>
-            <a:pPr marL="343080" indent="-341640">
+            <a:pPr marL="343080" indent="-341280">
               <a:lnSpc>
                 <a:spcPct val="100000"/>
               </a:lnSpc>
@@ -5456,7 +5456,7 @@
             </a:endParaRPr>
           </a:p>
           <a:p>
-            <a:pPr marL="343080" indent="-341640">
+            <a:pPr marL="343080" indent="-341280">
               <a:lnSpc>
                 <a:spcPct val="100000"/>
               </a:lnSpc>
@@ -5484,7 +5484,7 @@
             </a:endParaRPr>
           </a:p>
           <a:p>
-            <a:pPr marL="343080" indent="-341640">
+            <a:pPr marL="343080" indent="-341280">
               <a:lnSpc>
                 <a:spcPct val="100000"/>
               </a:lnSpc>
@@ -5512,7 +5512,7 @@
             </a:endParaRPr>
           </a:p>
           <a:p>
-            <a:pPr marL="343080" indent="-341640">
+            <a:pPr marL="343080" indent="-341280">
               <a:lnSpc>
                 <a:spcPct val="100000"/>
               </a:lnSpc>
@@ -5580,7 +5580,7 @@
         <p:spPr>
           <a:xfrm>
             <a:off x="457200" y="274680"/>
-            <a:ext cx="8228160" cy="1141560"/>
+            <a:ext cx="8227800" cy="1141200"/>
           </a:xfrm>
           <a:prstGeom prst="rect">
             <a:avLst/>
@@ -5631,7 +5631,7 @@
         <p:spPr>
           <a:xfrm>
             <a:off x="457200" y="1600200"/>
-            <a:ext cx="8228160" cy="4524480"/>
+            <a:ext cx="8227800" cy="4524120"/>
           </a:xfrm>
           <a:prstGeom prst="rect">
             <a:avLst/>
@@ -5652,7 +5652,7 @@
             <a:noAutofit/>
           </a:bodyPr>
           <a:p>
-            <a:pPr marL="343080" indent="-341640">
+            <a:pPr marL="343080" indent="-341280">
               <a:lnSpc>
                 <a:spcPct val="100000"/>
               </a:lnSpc>
@@ -5680,7 +5680,7 @@
             </a:endParaRPr>
           </a:p>
           <a:p>
-            <a:pPr marL="343080" indent="-341640">
+            <a:pPr marL="343080" indent="-341280">
               <a:lnSpc>
                 <a:spcPct val="100000"/>
               </a:lnSpc>
@@ -5708,7 +5708,7 @@
             </a:endParaRPr>
           </a:p>
           <a:p>
-            <a:pPr marL="343080" indent="-341640">
+            <a:pPr marL="343080" indent="-341280">
               <a:lnSpc>
                 <a:spcPct val="100000"/>
               </a:lnSpc>
@@ -5736,7 +5736,7 @@
             </a:endParaRPr>
           </a:p>
           <a:p>
-            <a:pPr marL="343080" indent="-341640">
+            <a:pPr marL="343080" indent="-341280">
               <a:lnSpc>
                 <a:spcPct val="100000"/>
               </a:lnSpc>
@@ -5804,7 +5804,7 @@
         <p:spPr>
           <a:xfrm>
             <a:off x="457200" y="274680"/>
-            <a:ext cx="8228160" cy="1141560"/>
+            <a:ext cx="8227800" cy="1141200"/>
           </a:xfrm>
           <a:prstGeom prst="rect">
             <a:avLst/>
@@ -5855,7 +5855,7 @@
         <p:spPr>
           <a:xfrm>
             <a:off x="457200" y="1600200"/>
-            <a:ext cx="8228160" cy="4524480"/>
+            <a:ext cx="8227800" cy="4524120"/>
           </a:xfrm>
           <a:prstGeom prst="rect">
             <a:avLst/>
@@ -5876,7 +5876,7 @@
             <a:noAutofit/>
           </a:bodyPr>
           <a:p>
-            <a:pPr marL="343080" indent="-341640">
+            <a:pPr marL="343080" indent="-341280">
               <a:lnSpc>
                 <a:spcPct val="100000"/>
               </a:lnSpc>
@@ -5904,7 +5904,7 @@
             </a:endParaRPr>
           </a:p>
           <a:p>
-            <a:pPr marL="343080" indent="-341640">
+            <a:pPr marL="343080" indent="-341280">
               <a:lnSpc>
                 <a:spcPct val="100000"/>
               </a:lnSpc>
@@ -5932,7 +5932,7 @@
             </a:endParaRPr>
           </a:p>
           <a:p>
-            <a:pPr marL="343080" indent="-341640">
+            <a:pPr marL="343080" indent="-341280">
               <a:lnSpc>
                 <a:spcPct val="100000"/>
               </a:lnSpc>
@@ -5953,7 +5953,7 @@
                 <a:latin typeface="Calibri"/>
                 <a:ea typeface="DejaVu Sans"/>
               </a:rPr>
-              <a:t>Επιλέχθηκε γιατί συνδυάζει λογική και προγραμματισμό.</a:t>
+              <a:t>Επιλέχθηκε γιατί συνδυάζει μάθησης και προγραμματισμό.</a:t>
             </a:r>
             <a:endParaRPr b="0" lang="en-US" sz="3200" spc="-1" strike="noStrike">
               <a:latin typeface="Arial"/>
@@ -6000,7 +6000,7 @@
         <p:spPr>
           <a:xfrm>
             <a:off x="457200" y="274680"/>
-            <a:ext cx="8228160" cy="1141560"/>
+            <a:ext cx="8227800" cy="1141200"/>
           </a:xfrm>
           <a:prstGeom prst="rect">
             <a:avLst/>
@@ -6051,7 +6051,7 @@
         <p:spPr>
           <a:xfrm>
             <a:off x="457200" y="1600200"/>
-            <a:ext cx="8228160" cy="4524480"/>
+            <a:ext cx="8227800" cy="4524120"/>
           </a:xfrm>
           <a:prstGeom prst="rect">
             <a:avLst/>
@@ -6072,7 +6072,7 @@
             <a:noAutofit/>
           </a:bodyPr>
           <a:p>
-            <a:pPr marL="343080" indent="-341640">
+            <a:pPr marL="343080" indent="-341280">
               <a:lnSpc>
                 <a:spcPct val="100000"/>
               </a:lnSpc>
@@ -6100,7 +6100,7 @@
             </a:endParaRPr>
           </a:p>
           <a:p>
-            <a:pPr marL="343080" indent="-341640">
+            <a:pPr marL="343080" indent="-341280">
               <a:lnSpc>
                 <a:spcPct val="100000"/>
               </a:lnSpc>
@@ -6128,7 +6128,7 @@
             </a:endParaRPr>
           </a:p>
           <a:p>
-            <a:pPr marL="343080" indent="-341640">
+            <a:pPr marL="343080" indent="-341280">
               <a:lnSpc>
                 <a:spcPct val="100000"/>
               </a:lnSpc>
@@ -6156,7 +6156,7 @@
             </a:endParaRPr>
           </a:p>
           <a:p>
-            <a:pPr marL="343080" indent="-341640">
+            <a:pPr marL="343080" indent="-341280">
               <a:lnSpc>
                 <a:spcPct val="100000"/>
               </a:lnSpc>
@@ -6184,7 +6184,7 @@
             </a:endParaRPr>
           </a:p>
           <a:p>
-            <a:pPr marL="343080" indent="-341640">
+            <a:pPr marL="343080" indent="-341280">
               <a:lnSpc>
                 <a:spcPct val="100000"/>
               </a:lnSpc>
@@ -6212,7 +6212,7 @@
             </a:endParaRPr>
           </a:p>
           <a:p>
-            <a:pPr marL="343080" indent="-341640">
+            <a:pPr marL="343080" indent="-341280">
               <a:lnSpc>
                 <a:spcPct val="100000"/>
               </a:lnSpc>
@@ -6280,7 +6280,7 @@
         <p:spPr>
           <a:xfrm>
             <a:off x="457200" y="274680"/>
-            <a:ext cx="8228160" cy="1141560"/>
+            <a:ext cx="8227800" cy="1141200"/>
           </a:xfrm>
           <a:prstGeom prst="rect">
             <a:avLst/>
@@ -6331,7 +6331,7 @@
         <p:spPr>
           <a:xfrm>
             <a:off x="457200" y="1600200"/>
-            <a:ext cx="8228160" cy="4524480"/>
+            <a:ext cx="8227800" cy="4524120"/>
           </a:xfrm>
           <a:prstGeom prst="rect">
             <a:avLst/>
@@ -6352,7 +6352,7 @@
             <a:noAutofit/>
           </a:bodyPr>
           <a:p>
-            <a:pPr marL="343080" indent="-341640">
+            <a:pPr marL="343080" indent="-341280">
               <a:lnSpc>
                 <a:spcPct val="100000"/>
               </a:lnSpc>
@@ -6380,7 +6380,7 @@
             </a:endParaRPr>
           </a:p>
           <a:p>
-            <a:pPr marL="343080" indent="-341640">
+            <a:pPr marL="343080" indent="-341280">
               <a:lnSpc>
                 <a:spcPct val="100000"/>
               </a:lnSpc>
@@ -6408,7 +6408,7 @@
             </a:endParaRPr>
           </a:p>
           <a:p>
-            <a:pPr marL="343080" indent="-341640">
+            <a:pPr marL="343080" indent="-341280">
               <a:lnSpc>
                 <a:spcPct val="100000"/>
               </a:lnSpc>
@@ -6436,7 +6436,7 @@
             </a:endParaRPr>
           </a:p>
           <a:p>
-            <a:pPr marL="343080" indent="-341640">
+            <a:pPr marL="343080" indent="-341280">
               <a:lnSpc>
                 <a:spcPct val="100000"/>
               </a:lnSpc>
@@ -6504,7 +6504,7 @@
         <p:spPr>
           <a:xfrm>
             <a:off x="457200" y="274680"/>
-            <a:ext cx="8228160" cy="1141560"/>
+            <a:ext cx="8227800" cy="1141200"/>
           </a:xfrm>
           <a:prstGeom prst="rect">
             <a:avLst/>
@@ -6555,7 +6555,7 @@
         <p:spPr>
           <a:xfrm>
             <a:off x="457200" y="1600200"/>
-            <a:ext cx="8228160" cy="4524480"/>
+            <a:ext cx="8227800" cy="4524120"/>
           </a:xfrm>
           <a:prstGeom prst="rect">
             <a:avLst/>
@@ -6576,7 +6576,7 @@
             <a:noAutofit/>
           </a:bodyPr>
           <a:p>
-            <a:pPr marL="343080" indent="-341640">
+            <a:pPr marL="343080" indent="-341280">
               <a:lnSpc>
                 <a:spcPct val="100000"/>
               </a:lnSpc>
@@ -6604,7 +6604,7 @@
             </a:endParaRPr>
           </a:p>
           <a:p>
-            <a:pPr marL="343080" indent="-341640">
+            <a:pPr marL="343080" indent="-341280">
               <a:lnSpc>
                 <a:spcPct val="100000"/>
               </a:lnSpc>
@@ -6632,7 +6632,7 @@
             </a:endParaRPr>
           </a:p>
           <a:p>
-            <a:pPr marL="343080" indent="-341640">
+            <a:pPr marL="343080" indent="-341280">
               <a:lnSpc>
                 <a:spcPct val="100000"/>
               </a:lnSpc>
@@ -6660,7 +6660,7 @@
             </a:endParaRPr>
           </a:p>
           <a:p>
-            <a:pPr marL="343080" indent="-341640">
+            <a:pPr marL="343080" indent="-341280">
               <a:lnSpc>
                 <a:spcPct val="100000"/>
               </a:lnSpc>
@@ -6688,7 +6688,7 @@
             </a:endParaRPr>
           </a:p>
           <a:p>
-            <a:pPr marL="343080" indent="-341640">
+            <a:pPr marL="343080" indent="-341280">
               <a:lnSpc>
                 <a:spcPct val="100000"/>
               </a:lnSpc>
@@ -6716,7 +6716,7 @@
             </a:endParaRPr>
           </a:p>
           <a:p>
-            <a:pPr marL="343080" indent="-341640">
+            <a:pPr marL="343080" indent="-341280">
               <a:lnSpc>
                 <a:spcPct val="100000"/>
               </a:lnSpc>
@@ -6784,7 +6784,7 @@
         <p:spPr>
           <a:xfrm>
             <a:off x="3749040" y="36720"/>
-            <a:ext cx="1371240" cy="456840"/>
+            <a:ext cx="1370880" cy="456480"/>
           </a:xfrm>
           <a:prstGeom prst="ellipse">
             <a:avLst/>
@@ -6849,7 +6849,7 @@
         <p:spPr>
           <a:xfrm>
             <a:off x="3474720" y="621720"/>
-            <a:ext cx="1919880" cy="456840"/>
+            <a:ext cx="1919520" cy="456480"/>
           </a:xfrm>
           <a:prstGeom prst="rect">
             <a:avLst/>
@@ -6924,7 +6924,7 @@
         <p:spPr>
           <a:xfrm>
             <a:off x="3474720" y="1170360"/>
-            <a:ext cx="1919880" cy="456840"/>
+            <a:ext cx="1919520" cy="456480"/>
           </a:xfrm>
           <a:prstGeom prst="rect">
             <a:avLst/>
@@ -6999,7 +6999,7 @@
         <p:spPr>
           <a:xfrm>
             <a:off x="3493080" y="1700640"/>
-            <a:ext cx="2011320" cy="914040"/>
+            <a:ext cx="2010960" cy="913680"/>
           </a:xfrm>
           <a:custGeom>
             <a:avLst/>
@@ -7097,7 +7097,7 @@
         <p:spPr>
           <a:xfrm>
             <a:off x="3346560" y="3566160"/>
-            <a:ext cx="2285640" cy="1188360"/>
+            <a:ext cx="2285280" cy="1188000"/>
           </a:xfrm>
           <a:custGeom>
             <a:avLst/>
@@ -7215,7 +7215,7 @@
         <p:spPr>
           <a:xfrm>
             <a:off x="3547800" y="3017520"/>
-            <a:ext cx="1919880" cy="456840"/>
+            <a:ext cx="1919520" cy="456480"/>
           </a:xfrm>
           <a:prstGeom prst="rect">
             <a:avLst/>
@@ -7290,7 +7290,7 @@
         <p:spPr>
           <a:xfrm>
             <a:off x="3529440" y="4992480"/>
-            <a:ext cx="1919880" cy="456840"/>
+            <a:ext cx="1919520" cy="456480"/>
           </a:xfrm>
           <a:prstGeom prst="rect">
             <a:avLst/>
@@ -7345,7 +7345,7 @@
         <p:spPr>
           <a:xfrm>
             <a:off x="3529440" y="5687640"/>
-            <a:ext cx="1919880" cy="456840"/>
+            <a:ext cx="1919520" cy="456480"/>
           </a:xfrm>
           <a:prstGeom prst="rect">
             <a:avLst/>
@@ -7420,7 +7420,7 @@
         <p:spPr>
           <a:xfrm>
             <a:off x="3474720" y="6291000"/>
-            <a:ext cx="2011320" cy="548280"/>
+            <a:ext cx="2010960" cy="547920"/>
           </a:xfrm>
           <a:custGeom>
             <a:avLst/>
@@ -7498,7 +7498,7 @@
         <p:spPr>
           <a:xfrm>
             <a:off x="6400800" y="6199560"/>
-            <a:ext cx="1462680" cy="639720"/>
+            <a:ext cx="1462320" cy="639360"/>
           </a:xfrm>
           <a:prstGeom prst="ellipse">
             <a:avLst/>
@@ -7581,7 +7581,7 @@
         <p:spPr>
           <a:xfrm>
             <a:off x="3877200" y="4645080"/>
-            <a:ext cx="552240" cy="363960"/>
+            <a:ext cx="551880" cy="363960"/>
           </a:xfrm>
           <a:prstGeom prst="rect">
             <a:avLst/>
@@ -7609,7 +7609,11 @@
             </a:pPr>
             <a:r>
               <a:rPr b="0" lang="en-US" sz="1800" spc="-1" strike="noStrike">
+                <a:solidFill>
+                  <a:srgbClr val="000000"/>
+                </a:solidFill>
                 <a:latin typeface="Arial"/>
+                <a:ea typeface="DejaVu Sans"/>
               </a:rPr>
               <a:t>Yes</a:t>
             </a:r>
@@ -7628,7 +7632,7 @@
         <p:spPr>
           <a:xfrm>
             <a:off x="2450520" y="3913560"/>
-            <a:ext cx="471600" cy="363960"/>
+            <a:ext cx="471240" cy="363960"/>
           </a:xfrm>
           <a:prstGeom prst="rect">
             <a:avLst/>
@@ -7656,7 +7660,11 @@
             </a:pPr>
             <a:r>
               <a:rPr b="0" lang="en-US" sz="1800" spc="-1" strike="noStrike">
+                <a:solidFill>
+                  <a:srgbClr val="000000"/>
+                </a:solidFill>
                 <a:latin typeface="Arial"/>
+                <a:ea typeface="DejaVu Sans"/>
               </a:rPr>
               <a:t>No</a:t>
             </a:r>
@@ -7675,7 +7683,7 @@
         <p:spPr>
           <a:xfrm>
             <a:off x="5632560" y="6217920"/>
-            <a:ext cx="471600" cy="363960"/>
+            <a:ext cx="471240" cy="363960"/>
           </a:xfrm>
           <a:prstGeom prst="rect">
             <a:avLst/>
@@ -7703,7 +7711,11 @@
             </a:pPr>
             <a:r>
               <a:rPr b="0" lang="en-US" sz="1800" spc="-1" strike="noStrike">
+                <a:solidFill>
+                  <a:srgbClr val="000000"/>
+                </a:solidFill>
                 <a:latin typeface="Arial"/>
+                <a:ea typeface="DejaVu Sans"/>
               </a:rPr>
               <a:t>No</a:t>
             </a:r>
@@ -7806,7 +7818,7 @@
         <p:spPr>
           <a:xfrm>
             <a:off x="3895200" y="2651760"/>
-            <a:ext cx="1240920" cy="363960"/>
+            <a:ext cx="1240560" cy="363960"/>
           </a:xfrm>
           <a:prstGeom prst="rect">
             <a:avLst/>
@@ -7834,7 +7846,11 @@
             </a:pPr>
             <a:r>
               <a:rPr b="0" lang="en-US" sz="1800" spc="-1" strike="noStrike">
+                <a:solidFill>
+                  <a:srgbClr val="000000"/>
+                </a:solidFill>
                 <a:latin typeface="Arial"/>
+                <a:ea typeface="DejaVu Sans"/>
               </a:rPr>
               <a:t>Valid Input</a:t>
             </a:r>
@@ -7961,7 +7977,7 @@
         <p:spPr>
           <a:xfrm>
             <a:off x="1134000" y="5614560"/>
-            <a:ext cx="1554120" cy="456840"/>
+            <a:ext cx="1553760" cy="456480"/>
           </a:xfrm>
           <a:prstGeom prst="rect">
             <a:avLst/>
@@ -8262,7 +8278,7 @@
         <p:spPr>
           <a:xfrm>
             <a:off x="2944440" y="6492240"/>
-            <a:ext cx="552240" cy="363960"/>
+            <a:ext cx="551880" cy="363960"/>
           </a:xfrm>
           <a:prstGeom prst="rect">
             <a:avLst/>
@@ -8290,7 +8306,11 @@
             </a:pPr>
             <a:r>
               <a:rPr b="0" lang="en-US" sz="1800" spc="-1" strike="noStrike">
+                <a:solidFill>
+                  <a:srgbClr val="000000"/>
+                </a:solidFill>
                 <a:latin typeface="Arial"/>
+                <a:ea typeface="DejaVu Sans"/>
               </a:rPr>
               <a:t>Yes</a:t>
             </a:r>
@@ -8391,7 +8411,7 @@
         <p:spPr>
           <a:xfrm>
             <a:off x="5447520" y="1939680"/>
-            <a:ext cx="1410120" cy="363960"/>
+            <a:ext cx="1409760" cy="363960"/>
           </a:xfrm>
           <a:prstGeom prst="rect">
             <a:avLst/>
@@ -8419,7 +8439,11 @@
             </a:pPr>
             <a:r>
               <a:rPr b="0" lang="en-US" sz="1800" spc="-1" strike="noStrike">
+                <a:solidFill>
+                  <a:srgbClr val="000000"/>
+                </a:solidFill>
                 <a:latin typeface="Arial"/>
+                <a:ea typeface="DejaVu Sans"/>
               </a:rPr>
               <a:t>Invalid Input</a:t>
             </a:r>
@@ -8658,7 +8682,7 @@
         <p:spPr>
           <a:xfrm>
             <a:off x="457200" y="274680"/>
-            <a:ext cx="8228160" cy="1141560"/>
+            <a:ext cx="8227800" cy="1141200"/>
           </a:xfrm>
           <a:prstGeom prst="rect">
             <a:avLst/>
@@ -8709,7 +8733,7 @@
         <p:spPr>
           <a:xfrm>
             <a:off x="457200" y="1600200"/>
-            <a:ext cx="8228160" cy="4524480"/>
+            <a:ext cx="8227800" cy="4524120"/>
           </a:xfrm>
           <a:prstGeom prst="rect">
             <a:avLst/>
@@ -8730,7 +8754,7 @@
             <a:noAutofit/>
           </a:bodyPr>
           <a:p>
-            <a:pPr marL="343080" indent="-341640">
+            <a:pPr marL="343080" indent="-341280">
               <a:lnSpc>
                 <a:spcPct val="100000"/>
               </a:lnSpc>
@@ -8758,7 +8782,7 @@
             </a:endParaRPr>
           </a:p>
           <a:p>
-            <a:pPr marL="343080" indent="-341640">
+            <a:pPr marL="343080" indent="-341280">
               <a:lnSpc>
                 <a:spcPct val="100000"/>
               </a:lnSpc>
@@ -8786,7 +8810,7 @@
             </a:endParaRPr>
           </a:p>
           <a:p>
-            <a:pPr marL="343080" indent="-341640">
+            <a:pPr marL="343080" indent="-341280">
               <a:lnSpc>
                 <a:spcPct val="100000"/>
               </a:lnSpc>
@@ -8814,7 +8838,7 @@
             </a:endParaRPr>
           </a:p>
           <a:p>
-            <a:pPr marL="343080" indent="-341640">
+            <a:pPr marL="343080" indent="-341280">
               <a:lnSpc>
                 <a:spcPct val="100000"/>
               </a:lnSpc>
@@ -8842,7 +8866,7 @@
             </a:endParaRPr>
           </a:p>
           <a:p>
-            <a:pPr marL="343080" indent="-341640">
+            <a:pPr marL="343080" indent="-341280">
               <a:lnSpc>
                 <a:spcPct val="100000"/>
               </a:lnSpc>
@@ -8870,7 +8894,7 @@
             </a:endParaRPr>
           </a:p>
           <a:p>
-            <a:pPr marL="343080" indent="-341640">
+            <a:pPr marL="343080" indent="-341280">
               <a:lnSpc>
                 <a:spcPct val="100000"/>
               </a:lnSpc>
@@ -8938,7 +8962,7 @@
         <p:spPr>
           <a:xfrm>
             <a:off x="457200" y="274680"/>
-            <a:ext cx="8228160" cy="1141560"/>
+            <a:ext cx="8227800" cy="1141200"/>
           </a:xfrm>
           <a:prstGeom prst="rect">
             <a:avLst/>
@@ -8972,7 +8996,7 @@
                 <a:latin typeface="Calibri"/>
                 <a:ea typeface="DejaVu Sans"/>
               </a:rPr>
-              <a:t>Αποτελέσματα &amp; Demo</a:t>
+              <a:t>Αποτελέσματα</a:t>
             </a:r>
             <a:endParaRPr b="0" lang="en-US" sz="4400" spc="-1" strike="noStrike">
               <a:latin typeface="Arial"/>
@@ -8989,7 +9013,7 @@
         <p:spPr>
           <a:xfrm>
             <a:off x="457200" y="1600200"/>
-            <a:ext cx="8228160" cy="4524480"/>
+            <a:ext cx="8227800" cy="4524120"/>
           </a:xfrm>
           <a:prstGeom prst="rect">
             <a:avLst/>
@@ -9019,7 +9043,7 @@
         <p:spPr>
           <a:xfrm>
             <a:off x="640080" y="1416960"/>
-            <a:ext cx="4590360" cy="2942280"/>
+            <a:ext cx="4590000" cy="2941920"/>
           </a:xfrm>
           <a:prstGeom prst="rect">
             <a:avLst/>
@@ -9072,7 +9096,7 @@
         <p:spPr>
           <a:xfrm>
             <a:off x="4573800" y="1737360"/>
-            <a:ext cx="4112280" cy="2908440"/>
+            <a:ext cx="4111920" cy="2908080"/>
           </a:xfrm>
           <a:prstGeom prst="rect">
             <a:avLst/>
@@ -9095,7 +9119,7 @@
         <p:spPr>
           <a:xfrm>
             <a:off x="182880" y="1712880"/>
-            <a:ext cx="4152240" cy="2218320"/>
+            <a:ext cx="4151880" cy="2217960"/>
           </a:xfrm>
           <a:prstGeom prst="rect">
             <a:avLst/>
@@ -9114,7 +9138,7 @@
         <p:spPr>
           <a:xfrm>
             <a:off x="-2011320" y="1033560"/>
-            <a:ext cx="8228520" cy="487800"/>
+            <a:ext cx="8228160" cy="487440"/>
           </a:xfrm>
           <a:prstGeom prst="rect">
             <a:avLst/>
@@ -9169,7 +9193,7 @@
         <p:spPr>
           <a:xfrm>
             <a:off x="1396440" y="4206240"/>
-            <a:ext cx="2809080" cy="932400"/>
+            <a:ext cx="2808720" cy="932040"/>
           </a:xfrm>
           <a:prstGeom prst="rect">
             <a:avLst/>
@@ -9192,7 +9216,7 @@
         <p:spPr>
           <a:xfrm>
             <a:off x="4486320" y="4911480"/>
-            <a:ext cx="4199760" cy="1580040"/>
+            <a:ext cx="4199400" cy="1579680"/>
           </a:xfrm>
           <a:prstGeom prst="rect">
             <a:avLst/>
